--- a/Loan/Loan.pptx
+++ b/Loan/Loan.pptx
@@ -30,24 +30,24 @@
   <p:notesSz cx="6858000" cy="9144000"/>
   <p:embeddedFontLst>
     <p:embeddedFont>
+      <p:font typeface="Canva Sans Bold" panose="020B0604020202020204" charset="0"/>
+      <p:regular r:id="rId22"/>
+    </p:embeddedFont>
+    <p:embeddedFont>
       <p:font typeface="Garamond" panose="02020404030301010803" pitchFamily="18" charset="0"/>
-      <p:regular r:id="rId22"/>
-      <p:bold r:id="rId23"/>
-      <p:italic r:id="rId24"/>
+      <p:regular r:id="rId23"/>
+      <p:bold r:id="rId24"/>
+      <p:italic r:id="rId25"/>
     </p:embeddedFont>
     <p:embeddedFont>
       <p:font typeface="Calibri" panose="020F0502020204030204" pitchFamily="34" charset="0"/>
-      <p:regular r:id="rId25"/>
-      <p:bold r:id="rId26"/>
-      <p:italic r:id="rId27"/>
-      <p:boldItalic r:id="rId28"/>
+      <p:regular r:id="rId26"/>
+      <p:bold r:id="rId27"/>
+      <p:italic r:id="rId28"/>
+      <p:boldItalic r:id="rId29"/>
     </p:embeddedFont>
     <p:embeddedFont>
-      <p:font typeface="Canva Sans Bold" panose="020B0604020202020204" charset="0"/>
-      <p:regular r:id="rId29"/>
-    </p:embeddedFont>
-    <p:embeddedFont>
-      <p:font typeface="Open Sans Bold" panose="020B0604020202020204" charset="0"/>
+      <p:font typeface="Canva Sans" panose="020B0604020202020204" charset="0"/>
       <p:regular r:id="rId30"/>
     </p:embeddedFont>
     <p:embeddedFont>
@@ -55,7 +55,7 @@
       <p:regular r:id="rId31"/>
     </p:embeddedFont>
     <p:embeddedFont>
-      <p:font typeface="Canva Sans" panose="020B0604020202020204" charset="0"/>
+      <p:font typeface="Open Sans Bold" panose="020B0604020202020204" charset="0"/>
       <p:regular r:id="rId32"/>
     </p:embeddedFont>
   </p:embeddedFontLst>
@@ -505,7 +505,7 @@
             <a:fld id="{1D8BD707-D9CF-40AE-B4C6-C98DA3205C09}" type="datetimeFigureOut">
               <a:rPr lang="en-US" smtClean="0"/>
               <a:pPr/>
-              <a:t>3/15/2024</a:t>
+              <a:t>3/16/2024</a:t>
             </a:fld>
             <a:endParaRPr lang="en-US"/>
           </a:p>
@@ -831,7 +831,7 @@
             <a:fld id="{1D8BD707-D9CF-40AE-B4C6-C98DA3205C09}" type="datetimeFigureOut">
               <a:rPr lang="en-US" smtClean="0"/>
               <a:pPr/>
-              <a:t>3/15/2024</a:t>
+              <a:t>3/16/2024</a:t>
             </a:fld>
             <a:endParaRPr lang="en-US"/>
           </a:p>
@@ -1081,7 +1081,7 @@
             <a:fld id="{1D8BD707-D9CF-40AE-B4C6-C98DA3205C09}" type="datetimeFigureOut">
               <a:rPr lang="en-US" smtClean="0"/>
               <a:pPr/>
-              <a:t>3/15/2024</a:t>
+              <a:t>3/16/2024</a:t>
             </a:fld>
             <a:endParaRPr lang="en-US"/>
           </a:p>
@@ -1422,7 +1422,7 @@
             <a:fld id="{1D8BD707-D9CF-40AE-B4C6-C98DA3205C09}" type="datetimeFigureOut">
               <a:rPr lang="en-US" smtClean="0"/>
               <a:pPr/>
-              <a:t>3/15/2024</a:t>
+              <a:t>3/16/2024</a:t>
             </a:fld>
             <a:endParaRPr lang="en-US"/>
           </a:p>
@@ -1771,7 +1771,7 @@
             <a:fld id="{1D8BD707-D9CF-40AE-B4C6-C98DA3205C09}" type="datetimeFigureOut">
               <a:rPr lang="en-US" smtClean="0"/>
               <a:pPr/>
-              <a:t>3/15/2024</a:t>
+              <a:t>3/16/2024</a:t>
             </a:fld>
             <a:endParaRPr lang="en-US"/>
           </a:p>
@@ -2147,7 +2147,7 @@
             <a:fld id="{1D8BD707-D9CF-40AE-B4C6-C98DA3205C09}" type="datetimeFigureOut">
               <a:rPr lang="en-US" smtClean="0"/>
               <a:pPr/>
-              <a:t>3/15/2024</a:t>
+              <a:t>3/16/2024</a:t>
             </a:fld>
             <a:endParaRPr lang="en-US"/>
           </a:p>
@@ -2619,7 +2619,7 @@
             <a:fld id="{1D8BD707-D9CF-40AE-B4C6-C98DA3205C09}" type="datetimeFigureOut">
               <a:rPr lang="en-US" smtClean="0"/>
               <a:pPr/>
-              <a:t>3/15/2024</a:t>
+              <a:t>3/16/2024</a:t>
             </a:fld>
             <a:endParaRPr lang="en-US"/>
           </a:p>
@@ -2826,7 +2826,7 @@
             <a:fld id="{1D8BD707-D9CF-40AE-B4C6-C98DA3205C09}" type="datetimeFigureOut">
               <a:rPr lang="en-US" smtClean="0"/>
               <a:pPr/>
-              <a:t>3/15/2024</a:t>
+              <a:t>3/16/2024</a:t>
             </a:fld>
             <a:endParaRPr lang="en-US"/>
           </a:p>
@@ -3039,7 +3039,7 @@
             <a:fld id="{1D8BD707-D9CF-40AE-B4C6-C98DA3205C09}" type="datetimeFigureOut">
               <a:rPr lang="en-US" smtClean="0"/>
               <a:pPr/>
-              <a:t>3/15/2024</a:t>
+              <a:t>3/16/2024</a:t>
             </a:fld>
             <a:endParaRPr lang="en-US"/>
           </a:p>
@@ -3273,7 +3273,7 @@
             <a:fld id="{1D8BD707-D9CF-40AE-B4C6-C98DA3205C09}" type="datetimeFigureOut">
               <a:rPr lang="en-US" smtClean="0"/>
               <a:pPr/>
-              <a:t>3/15/2024</a:t>
+              <a:t>3/16/2024</a:t>
             </a:fld>
             <a:endParaRPr lang="en-US"/>
           </a:p>
@@ -3523,7 +3523,7 @@
             <a:fld id="{1D8BD707-D9CF-40AE-B4C6-C98DA3205C09}" type="datetimeFigureOut">
               <a:rPr lang="en-US" smtClean="0"/>
               <a:pPr/>
-              <a:t>3/15/2024</a:t>
+              <a:t>3/16/2024</a:t>
             </a:fld>
             <a:endParaRPr lang="en-US"/>
           </a:p>
@@ -3823,7 +3823,7 @@
             <a:fld id="{1D8BD707-D9CF-40AE-B4C6-C98DA3205C09}" type="datetimeFigureOut">
               <a:rPr lang="en-US" smtClean="0"/>
               <a:pPr/>
-              <a:t>3/15/2024</a:t>
+              <a:t>3/16/2024</a:t>
             </a:fld>
             <a:endParaRPr lang="en-US"/>
           </a:p>
@@ -4219,7 +4219,7 @@
             <a:fld id="{1D8BD707-D9CF-40AE-B4C6-C98DA3205C09}" type="datetimeFigureOut">
               <a:rPr lang="en-US" smtClean="0"/>
               <a:pPr/>
-              <a:t>3/15/2024</a:t>
+              <a:t>3/16/2024</a:t>
             </a:fld>
             <a:endParaRPr lang="en-US"/>
           </a:p>
@@ -4370,7 +4370,7 @@
             <a:fld id="{1D8BD707-D9CF-40AE-B4C6-C98DA3205C09}" type="datetimeFigureOut">
               <a:rPr lang="en-US" smtClean="0"/>
               <a:pPr/>
-              <a:t>3/15/2024</a:t>
+              <a:t>3/16/2024</a:t>
             </a:fld>
             <a:endParaRPr lang="en-US"/>
           </a:p>
@@ -4498,7 +4498,7 @@
             <a:fld id="{1D8BD707-D9CF-40AE-B4C6-C98DA3205C09}" type="datetimeFigureOut">
               <a:rPr lang="en-US" smtClean="0"/>
               <a:pPr/>
-              <a:t>3/15/2024</a:t>
+              <a:t>3/16/2024</a:t>
             </a:fld>
             <a:endParaRPr lang="en-US"/>
           </a:p>
@@ -4755,7 +4755,7 @@
             <a:fld id="{1D8BD707-D9CF-40AE-B4C6-C98DA3205C09}" type="datetimeFigureOut">
               <a:rPr lang="en-US" smtClean="0"/>
               <a:pPr/>
-              <a:t>3/15/2024</a:t>
+              <a:t>3/16/2024</a:t>
             </a:fld>
             <a:endParaRPr lang="en-US"/>
           </a:p>
@@ -5072,7 +5072,7 @@
             <a:fld id="{1D8BD707-D9CF-40AE-B4C6-C98DA3205C09}" type="datetimeFigureOut">
               <a:rPr lang="en-US" smtClean="0"/>
               <a:pPr/>
-              <a:t>3/15/2024</a:t>
+              <a:t>3/16/2024</a:t>
             </a:fld>
             <a:endParaRPr lang="en-US"/>
           </a:p>
@@ -5425,7 +5425,7 @@
             <a:fld id="{1D8BD707-D9CF-40AE-B4C6-C98DA3205C09}" type="datetimeFigureOut">
               <a:rPr lang="en-US" smtClean="0"/>
               <a:pPr/>
-              <a:t>3/15/2024</a:t>
+              <a:t>3/16/2024</a:t>
             </a:fld>
             <a:endParaRPr lang="en-US"/>
           </a:p>
@@ -7652,7 +7652,6 @@
                         <a:rPr lang="en-US" dirty="0" smtClean="0"/>
                         <a:t>340 (71%)</a:t>
                       </a:r>
-                      <a:endParaRPr lang="en-US" dirty="0" smtClean="0"/>
                     </a:p>
                   </a:txBody>
                   <a:tcPr/>
@@ -7698,17 +7697,8 @@
                     <a:p>
                       <a:r>
                         <a:rPr lang="en-US" dirty="0" smtClean="0"/>
-                        <a:t>82 </a:t>
-                      </a:r>
-                      <a:r>
-                        <a:rPr lang="en-US" dirty="0" smtClean="0"/>
-                        <a:t>(</a:t>
-                      </a:r>
-                      <a:r>
-                        <a:rPr lang="en-US" dirty="0" smtClean="0"/>
-                        <a:t>61%)</a:t>
-                      </a:r>
-                      <a:endParaRPr lang="en-US" dirty="0" smtClean="0"/>
+                        <a:t>82 (61%)</a:t>
+                      </a:r>
                     </a:p>
                   </a:txBody>
                   <a:tcPr/>
@@ -8061,17 +8051,8 @@
                     <a:p>
                       <a:r>
                         <a:rPr lang="en-US" dirty="0" smtClean="0"/>
-                        <a:t>366 </a:t>
-                      </a:r>
-                      <a:r>
-                        <a:rPr lang="en-US" dirty="0" smtClean="0"/>
-                        <a:t>(</a:t>
-                      </a:r>
-                      <a:r>
-                        <a:rPr lang="en-US" dirty="0" smtClean="0"/>
-                        <a:t>69%)</a:t>
-                      </a:r>
-                      <a:endParaRPr lang="en-US" dirty="0" smtClean="0"/>
+                        <a:t>366 (69%)</a:t>
+                      </a:r>
                     </a:p>
                   </a:txBody>
                   <a:tcPr/>
@@ -8121,17 +8102,8 @@
                     <a:p>
                       <a:r>
                         <a:rPr lang="en-US" dirty="0" smtClean="0"/>
-                        <a:t>56 </a:t>
-                      </a:r>
-                      <a:r>
-                        <a:rPr lang="en-US" dirty="0" smtClean="0"/>
-                        <a:t>(</a:t>
-                      </a:r>
-                      <a:r>
-                        <a:rPr lang="en-US" dirty="0" smtClean="0"/>
-                        <a:t>68%)</a:t>
-                      </a:r>
-                      <a:endParaRPr lang="en-US" dirty="0" smtClean="0"/>
+                        <a:t>56 (68%)</a:t>
+                      </a:r>
                     </a:p>
                   </a:txBody>
                   <a:tcPr/>
@@ -8421,17 +8393,8 @@
                     <a:p>
                       <a:r>
                         <a:rPr lang="en-US" dirty="0" smtClean="0"/>
-                        <a:t>110 </a:t>
-                      </a:r>
-                      <a:r>
-                        <a:rPr lang="en-US" dirty="0" smtClean="0"/>
-                        <a:t>(</a:t>
-                      </a:r>
-                      <a:r>
-                        <a:rPr lang="en-US" dirty="0" smtClean="0"/>
-                        <a:t>61%)</a:t>
-                      </a:r>
-                      <a:endParaRPr lang="en-US" dirty="0" smtClean="0"/>
+                        <a:t>110 (61%)</a:t>
+                      </a:r>
                     </a:p>
                   </a:txBody>
                   <a:tcPr/>
@@ -8690,27 +8653,7 @@
                 <a:latin typeface="Adobe Fan Heiti Std B" panose="020B0700000000000000" pitchFamily="34" charset="-128"/>
                 <a:ea typeface="Adobe Fan Heiti Std B" panose="020B0700000000000000" pitchFamily="34" charset="-128"/>
               </a:rPr>
-              <a:t>(</a:t>
-            </a:r>
-            <a:r>
-              <a:rPr lang="en-US" sz="2800" dirty="0" smtClean="0">
-                <a:solidFill>
-                  <a:prstClr val="black"/>
-                </a:solidFill>
-                <a:latin typeface="Adobe Fan Heiti Std B" panose="020B0700000000000000" pitchFamily="34" charset="-128"/>
-                <a:ea typeface="Adobe Fan Heiti Std B" panose="020B0700000000000000" pitchFamily="34" charset="-128"/>
-              </a:rPr>
-              <a:t>Married</a:t>
-            </a:r>
-            <a:r>
-              <a:rPr lang="en-US" sz="2800" dirty="0" smtClean="0">
-                <a:solidFill>
-                  <a:prstClr val="black"/>
-                </a:solidFill>
-                <a:latin typeface="Adobe Fan Heiti Std B" panose="020B0700000000000000" pitchFamily="34" charset="-128"/>
-                <a:ea typeface="Adobe Fan Heiti Std B" panose="020B0700000000000000" pitchFamily="34" charset="-128"/>
-              </a:rPr>
-              <a:t>).</a:t>
+              <a:t>(Married).</a:t>
             </a:r>
             <a:endParaRPr lang="en-IN" sz="2800" dirty="0">
               <a:solidFill>
@@ -8841,7 +8784,6 @@
                         <a:rPr lang="en-US" dirty="0" smtClean="0"/>
                         <a:t>134 (63%)</a:t>
                       </a:r>
-                      <a:endParaRPr lang="en-US" dirty="0" smtClean="0"/>
                     </a:p>
                   </a:txBody>
                   <a:tcPr/>
@@ -8893,7 +8835,6 @@
                         <a:rPr lang="en-US" dirty="0" smtClean="0"/>
                         <a:t>(72%)</a:t>
                       </a:r>
-                      <a:endParaRPr lang="en-US" dirty="0" smtClean="0"/>
                     </a:p>
                   </a:txBody>
                   <a:tcPr/>
@@ -9082,17 +9023,7 @@
                 <a:latin typeface="Adobe Fan Heiti Std B" panose="020B0700000000000000" pitchFamily="34" charset="-128"/>
                 <a:ea typeface="Adobe Fan Heiti Std B" panose="020B0700000000000000" pitchFamily="34" charset="-128"/>
               </a:rPr>
-              <a:t> History</a:t>
-            </a:r>
-            <a:r>
-              <a:rPr lang="en-US" sz="2800" dirty="0" smtClean="0">
-                <a:solidFill>
-                  <a:prstClr val="black"/>
-                </a:solidFill>
-                <a:latin typeface="Adobe Fan Heiti Std B" panose="020B0700000000000000" pitchFamily="34" charset="-128"/>
-                <a:ea typeface="Adobe Fan Heiti Std B" panose="020B0700000000000000" pitchFamily="34" charset="-128"/>
-              </a:rPr>
-              <a:t>).</a:t>
+              <a:t> History).</a:t>
             </a:r>
             <a:endParaRPr lang="en-IN" sz="2800" dirty="0">
               <a:solidFill>
@@ -9227,7 +9158,6 @@
                         <a:rPr lang="en-US" dirty="0" smtClean="0"/>
                         <a:t>(8%)</a:t>
                       </a:r>
-                      <a:endParaRPr lang="en-US" dirty="0" smtClean="0"/>
                     </a:p>
                   </a:txBody>
                   <a:tcPr/>
@@ -9279,7 +9209,6 @@
                         <a:rPr lang="en-US" dirty="0" smtClean="0"/>
                         <a:t>415 (80%)</a:t>
                       </a:r>
-                      <a:endParaRPr lang="en-US" dirty="0" smtClean="0"/>
                     </a:p>
                   </a:txBody>
                   <a:tcPr/>

--- a/Loan/Loan.pptx
+++ b/Loan/Loan.pptx
@@ -30,32 +30,32 @@
   <p:notesSz cx="6858000" cy="9144000"/>
   <p:embeddedFontLst>
     <p:embeddedFont>
-      <p:font typeface="Canva Sans Bold" panose="020B0604020202020204" charset="0"/>
+      <p:font typeface="Garamond" panose="02020404030301010803" pitchFamily="18" charset="0"/>
       <p:regular r:id="rId22"/>
-    </p:embeddedFont>
-    <p:embeddedFont>
-      <p:font typeface="Garamond" panose="02020404030301010803" pitchFamily="18" charset="0"/>
-      <p:regular r:id="rId23"/>
-      <p:bold r:id="rId24"/>
-      <p:italic r:id="rId25"/>
+      <p:bold r:id="rId23"/>
+      <p:italic r:id="rId24"/>
     </p:embeddedFont>
     <p:embeddedFont>
       <p:font typeface="Calibri" panose="020F0502020204030204" pitchFamily="34" charset="0"/>
-      <p:regular r:id="rId26"/>
-      <p:bold r:id="rId27"/>
-      <p:italic r:id="rId28"/>
-      <p:boldItalic r:id="rId29"/>
+      <p:regular r:id="rId25"/>
+      <p:bold r:id="rId26"/>
+      <p:italic r:id="rId27"/>
+      <p:boldItalic r:id="rId28"/>
+    </p:embeddedFont>
+    <p:embeddedFont>
+      <p:font typeface="Fira Sans" panose="020B0604020202020204" charset="0"/>
+      <p:regular r:id="rId29"/>
+    </p:embeddedFont>
+    <p:embeddedFont>
+      <p:font typeface="Canva Sans Bold" panose="020B0604020202020204" charset="0"/>
+      <p:regular r:id="rId30"/>
+    </p:embeddedFont>
+    <p:embeddedFont>
+      <p:font typeface="Open Sans Bold" panose="020B0604020202020204" charset="0"/>
+      <p:regular r:id="rId31"/>
     </p:embeddedFont>
     <p:embeddedFont>
       <p:font typeface="Canva Sans" panose="020B0604020202020204" charset="0"/>
-      <p:regular r:id="rId30"/>
-    </p:embeddedFont>
-    <p:embeddedFont>
-      <p:font typeface="Fira Sans" panose="020B0604020202020204" charset="0"/>
-      <p:regular r:id="rId31"/>
-    </p:embeddedFont>
-    <p:embeddedFont>
-      <p:font typeface="Open Sans Bold" panose="020B0604020202020204" charset="0"/>
       <p:regular r:id="rId32"/>
     </p:embeddedFont>
   </p:embeddedFontLst>
@@ -7159,7 +7159,7 @@
           <p:nvPr>
             <p:extLst>
               <p:ext uri="{D42A27DB-BD31-4B8C-83A1-F6EECF244321}">
-                <p14:modId xmlns:p14="http://schemas.microsoft.com/office/powerpoint/2010/main" val="26887877"/>
+                <p14:modId xmlns:p14="http://schemas.microsoft.com/office/powerpoint/2010/main" val="2034020581"/>
               </p:ext>
             </p:extLst>
           </p:nvPr>
@@ -7768,6 +7768,13 @@
   <p:clrMapOvr>
     <a:masterClrMapping/>
   </p:clrMapOvr>
+  <p:timing>
+    <p:tnLst>
+      <p:par>
+        <p:cTn id="1" dur="indefinite" restart="never" nodeType="tmRoot"/>
+      </p:par>
+    </p:tnLst>
+  </p:timing>
 </p:sld>
 </file>
 
@@ -8118,6 +8125,13 @@
   <p:clrMapOvr>
     <a:masterClrMapping/>
   </p:clrMapOvr>
+  <p:timing>
+    <p:tnLst>
+      <p:par>
+        <p:cTn id="1" dur="indefinite" restart="never" nodeType="tmRoot"/>
+      </p:par>
+    </p:tnLst>
+  </p:timing>
 </p:sld>
 </file>
 
@@ -8499,6 +8513,13 @@
   <p:clrMapOvr>
     <a:masterClrMapping/>
   </p:clrMapOvr>
+  <p:timing>
+    <p:tnLst>
+      <p:par>
+        <p:cTn id="1" dur="indefinite" restart="never" nodeType="tmRoot"/>
+      </p:par>
+    </p:tnLst>
+  </p:timing>
 </p:sld>
 </file>
 
@@ -8849,6 +8870,13 @@
   <p:clrMapOvr>
     <a:masterClrMapping/>
   </p:clrMapOvr>
+  <p:timing>
+    <p:tnLst>
+      <p:par>
+        <p:cTn id="1" dur="indefinite" restart="never" nodeType="tmRoot"/>
+      </p:par>
+    </p:tnLst>
+  </p:timing>
 </p:sld>
 </file>
 
@@ -9223,6 +9251,13 @@
   <p:clrMapOvr>
     <a:masterClrMapping/>
   </p:clrMapOvr>
+  <p:timing>
+    <p:tnLst>
+      <p:par>
+        <p:cTn id="1" dur="indefinite" restart="never" nodeType="tmRoot"/>
+      </p:par>
+    </p:tnLst>
+  </p:timing>
 </p:sld>
 </file>
 
@@ -9824,6 +9859,13 @@
   <p:clrMapOvr>
     <a:masterClrMapping/>
   </p:clrMapOvr>
+  <p:timing>
+    <p:tnLst>
+      <p:par>
+        <p:cTn id="1" dur="indefinite" restart="never" nodeType="tmRoot"/>
+      </p:par>
+    </p:tnLst>
+  </p:timing>
 </p:sld>
 </file>
 
